--- a/files/DMM BocaECGI 202412-15mins.pptx
+++ b/files/DMM BocaECGI 202412-15mins.pptx
@@ -345,7 +345,7 @@
           <a:p>
             <a:fld id="{F6992C72-CA01-4D4C-B1C4-5066EC55DB8A}" type="datetimeFigureOut">
               <a:rPr lang="da-DK" smtClean="0"/>
-              <a:t>11-12-2024</a:t>
+              <a:t>13-12-2024</a:t>
             </a:fld>
             <a:endParaRPr lang="da-DK"/>
           </a:p>
@@ -510,7 +510,7 @@
           <a:p>
             <a:fld id="{B5C1DC36-FCF6-4F65-A8BC-386231DA6558}" type="datetimeFigureOut">
               <a:rPr lang="da-DK" smtClean="0"/>
-              <a:t>11-12-2024</a:t>
+              <a:t>13-12-2024</a:t>
             </a:fld>
             <a:endParaRPr lang="da-DK"/>
           </a:p>
@@ -6584,7 +6584,7 @@
           <a:p>
             <a:r>
               <a:rPr lang="en-US" dirty="0"/>
-              <a:t>By appointing family members as “straw men” managers, disqualified managers avoid being penalized in the future</a:t>
+              <a:t>By appointing family members as “straw men” managers, disqualified managers may continue committing misconduct</a:t>
             </a:r>
           </a:p>
           <a:p>
@@ -7679,8 +7679,8 @@
           <a:chExt cx="0" cy="0"/>
         </a:xfrm>
       </p:grpSpPr>
-      <mc:AlternateContent xmlns:mc="http://schemas.openxmlformats.org/markup-compatibility/2006" xmlns:a14="http://schemas.microsoft.com/office/drawing/2010/main">
-        <mc:Choice Requires="a14">
+      <mc:AlternateContent xmlns:mc="http://schemas.openxmlformats.org/markup-compatibility/2006">
+        <mc:Choice xmlns:a14="http://schemas.microsoft.com/office/drawing/2010/main" Requires="a14">
           <p:sp>
             <p:nvSpPr>
               <p:cNvPr id="2" name="Content Placeholder 1"/>
@@ -7694,7 +7694,7 @@
             <p:spPr/>
             <p:txBody>
               <a:bodyPr>
-                <a:normAutofit fontScale="85000" lnSpcReduction="20000"/>
+                <a:normAutofit fontScale="85000" lnSpcReduction="10000"/>
               </a:bodyPr>
               <a:lstStyle/>
               <a:p>
@@ -7724,6 +7724,10 @@
                   <a:rPr lang="en-US" i="1" dirty="0"/>
                   <a:t>grossly irresponsible business conduct</a:t>
                 </a:r>
+                <a:r>
+                  <a:rPr lang="en-US" dirty="0"/>
+                  <a:t>:</a:t>
+                </a:r>
               </a:p>
               <a:p>
                 <a:pPr lvl="1"/>
@@ -7736,35 +7740,28 @@
                 <a:pPr lvl="1"/>
                 <a:r>
                   <a:rPr lang="en-US" dirty="0"/>
-                  <a:t>Failure to comply with tax law, e.g., fail to file tax returns or to pay tax</a:t>
+                  <a:t>Tax law non-compliance</a:t>
                 </a:r>
               </a:p>
               <a:p>
                 <a:pPr lvl="1"/>
                 <a:r>
                   <a:rPr lang="en-US" dirty="0"/>
-                  <a:t>Failure to comply with the Law on Annual Accounts</a:t>
+                  <a:t>Accounting standards violations</a:t>
                 </a:r>
               </a:p>
               <a:p>
                 <a:pPr lvl="1"/>
                 <a:r>
                   <a:rPr lang="en-US" dirty="0"/>
-                  <a:t>Shareholders loans (unauthorized use of company funds)</a:t>
+                  <a:t>Unauthorized shareholder loans</a:t>
                 </a:r>
               </a:p>
               <a:p>
                 <a:pPr lvl="1"/>
                 <a:r>
                   <a:rPr lang="en-US" dirty="0"/>
-                  <a:t>Lack of financial management</a:t>
-                </a:r>
-              </a:p>
-              <a:p>
-                <a:pPr lvl="1"/>
-                <a:r>
-                  <a:rPr lang="en-US" dirty="0"/>
-                  <a:t>Disposal of business assets at prices significantly below market value</a:t>
+                  <a:t>Below-market asset transfers</a:t>
                 </a:r>
               </a:p>
               <a:p>
@@ -7790,7 +7787,7 @@
             </p:txBody>
           </p:sp>
         </mc:Choice>
-        <mc:Fallback xmlns="">
+        <mc:Fallback>
           <p:sp>
             <p:nvSpPr>
               <p:cNvPr id="2" name="Content Placeholder 1"/>
@@ -7805,7 +7802,7 @@
               <a:blipFill>
                 <a:blip r:embed="rId4"/>
                 <a:stretch>
-                  <a:fillRect l="-1668" t="-3423" r="-1084"/>
+                  <a:fillRect l="-1668" t="-2703" r="-1084"/>
                 </a:stretch>
               </a:blipFill>
             </p:spPr>
@@ -8153,15 +8150,33 @@
                                   </p:childTnLst>
                                 </p:cTn>
                               </p:par>
+                            </p:childTnLst>
+                          </p:cTn>
+                        </p:par>
+                      </p:childTnLst>
+                    </p:cTn>
+                  </p:par>
+                  <p:par>
+                    <p:cTn id="23" fill="hold">
+                      <p:stCondLst>
+                        <p:cond delay="indefinite"/>
+                      </p:stCondLst>
+                      <p:childTnLst>
+                        <p:par>
+                          <p:cTn id="24" fill="hold">
+                            <p:stCondLst>
+                              <p:cond delay="0"/>
+                            </p:stCondLst>
+                            <p:childTnLst>
                               <p:par>
-                                <p:cTn id="23" presetID="1" presetClass="entr" presetSubtype="0" fill="hold" grpId="0" nodeType="withEffect">
+                                <p:cTn id="25" presetID="1" presetClass="entr" presetSubtype="0" fill="hold" grpId="0" nodeType="clickEffect">
                                   <p:stCondLst>
                                     <p:cond delay="0"/>
                                   </p:stCondLst>
                                   <p:childTnLst>
                                     <p:set>
                                       <p:cBhvr>
-                                        <p:cTn id="24" dur="1" fill="hold">
+                                        <p:cTn id="26" dur="1" fill="hold">
                                           <p:stCondLst>
                                             <p:cond delay="0"/>
                                           </p:stCondLst>
@@ -8170,55 +8185,6 @@
                                           <p:spTgt spid="2">
                                             <p:txEl>
                                               <p:pRg st="8" end="8"/>
-                                            </p:txEl>
-                                          </p:spTgt>
-                                        </p:tgtEl>
-                                        <p:attrNameLst>
-                                          <p:attrName>style.visibility</p:attrName>
-                                        </p:attrNameLst>
-                                      </p:cBhvr>
-                                      <p:to>
-                                        <p:strVal val="visible"/>
-                                      </p:to>
-                                    </p:set>
-                                  </p:childTnLst>
-                                </p:cTn>
-                              </p:par>
-                            </p:childTnLst>
-                          </p:cTn>
-                        </p:par>
-                      </p:childTnLst>
-                    </p:cTn>
-                  </p:par>
-                  <p:par>
-                    <p:cTn id="25" fill="hold">
-                      <p:stCondLst>
-                        <p:cond delay="indefinite"/>
-                      </p:stCondLst>
-                      <p:childTnLst>
-                        <p:par>
-                          <p:cTn id="26" fill="hold">
-                            <p:stCondLst>
-                              <p:cond delay="0"/>
-                            </p:stCondLst>
-                            <p:childTnLst>
-                              <p:par>
-                                <p:cTn id="27" presetID="1" presetClass="entr" presetSubtype="0" fill="hold" grpId="0" nodeType="clickEffect">
-                                  <p:stCondLst>
-                                    <p:cond delay="0"/>
-                                  </p:stCondLst>
-                                  <p:childTnLst>
-                                    <p:set>
-                                      <p:cBhvr>
-                                        <p:cTn id="28" dur="1" fill="hold">
-                                          <p:stCondLst>
-                                            <p:cond delay="0"/>
-                                          </p:stCondLst>
-                                        </p:cTn>
-                                        <p:tgtEl>
-                                          <p:spTgt spid="2">
-                                            <p:txEl>
-                                              <p:pRg st="9" end="9"/>
                                             </p:txEl>
                                           </p:spTgt>
                                         </p:tgtEl>
@@ -8842,6 +8808,12 @@
             <a:r>
               <a:rPr lang="en-US" altLang="nb-NO" sz="1600" dirty="0"/>
               <a:t>Individuals who receive public transfers</a:t>
+            </a:r>
+          </a:p>
+          <a:p>
+            <a:r>
+              <a:rPr lang="en-US" altLang="nb-NO" sz="1800" dirty="0"/>
+              <a:t>Examine changes in the managerial labor pool with these characteristics</a:t>
             </a:r>
           </a:p>
           <a:p>
@@ -9127,6 +9099,55 @@
                                           <p:spTgt spid="6">
                                             <p:txEl>
                                               <p:pRg st="5" end="5"/>
+                                            </p:txEl>
+                                          </p:spTgt>
+                                        </p:tgtEl>
+                                        <p:attrNameLst>
+                                          <p:attrName>style.visibility</p:attrName>
+                                        </p:attrNameLst>
+                                      </p:cBhvr>
+                                      <p:to>
+                                        <p:strVal val="visible"/>
+                                      </p:to>
+                                    </p:set>
+                                  </p:childTnLst>
+                                </p:cTn>
+                              </p:par>
+                            </p:childTnLst>
+                          </p:cTn>
+                        </p:par>
+                      </p:childTnLst>
+                    </p:cTn>
+                  </p:par>
+                  <p:par>
+                    <p:cTn id="21" fill="hold">
+                      <p:stCondLst>
+                        <p:cond delay="indefinite"/>
+                      </p:stCondLst>
+                      <p:childTnLst>
+                        <p:par>
+                          <p:cTn id="22" fill="hold">
+                            <p:stCondLst>
+                              <p:cond delay="0"/>
+                            </p:stCondLst>
+                            <p:childTnLst>
+                              <p:par>
+                                <p:cTn id="23" presetID="1" presetClass="entr" presetSubtype="0" fill="hold" grpId="0" nodeType="clickEffect">
+                                  <p:stCondLst>
+                                    <p:cond delay="0"/>
+                                  </p:stCondLst>
+                                  <p:childTnLst>
+                                    <p:set>
+                                      <p:cBhvr>
+                                        <p:cTn id="24" dur="1" fill="hold">
+                                          <p:stCondLst>
+                                            <p:cond delay="0"/>
+                                          </p:stCondLst>
+                                        </p:cTn>
+                                        <p:tgtEl>
+                                          <p:spTgt spid="6">
+                                            <p:txEl>
+                                              <p:pRg st="6" end="6"/>
                                             </p:txEl>
                                           </p:spTgt>
                                         </p:tgtEl>
@@ -9950,7 +9971,7 @@
             </a:pPr>
             <a:r>
               <a:rPr lang="en-US" altLang="nb-NO" dirty="0"/>
-              <a:t>20% lower income post-quarantine</a:t>
+              <a:t>20% lower income after quarantine</a:t>
             </a:r>
           </a:p>
           <a:p>
@@ -10623,7 +10644,7 @@
         </p:spPr>
         <p:txBody>
           <a:bodyPr>
-            <a:normAutofit fontScale="85000" lnSpcReduction="20000"/>
+            <a:normAutofit fontScale="85000" lnSpcReduction="10000"/>
           </a:bodyPr>
           <a:lstStyle/>
           <a:p>
@@ -10634,24 +10655,8 @@
             </a:pPr>
             <a:r>
               <a:rPr lang="en-US" altLang="nb-NO" dirty="0"/>
-              <a:t>Bankruptcy quarantines or disqualification of individuals from management/key positions is a common feature across countries</a:t>
-            </a:r>
-          </a:p>
-          <a:p>
-            <a:pPr lvl="1">
-              <a:lnSpc>
-                <a:spcPct val="120000"/>
-              </a:lnSpc>
-            </a:pPr>
-            <a:r>
-              <a:rPr lang="en-US" altLang="nb-NO" dirty="0"/>
-              <a:t>For engaging </a:t>
-            </a:r>
-            <a:r>
-              <a:rPr lang="en-US" dirty="0"/>
-              <a:t>in misconduct/fraud in the period leading up to bankruptcy</a:t>
-            </a:r>
-            <a:endParaRPr lang="en-US" altLang="nb-NO" sz="1400" dirty="0"/>
+              <a:t>Bankruptcy quarantines (or disqualification) of individuals from management is common across countries</a:t>
+            </a:r>
           </a:p>
           <a:p>
             <a:pPr>
@@ -10802,15 +10807,33 @@
                                   </p:childTnLst>
                                 </p:cTn>
                               </p:par>
+                            </p:childTnLst>
+                          </p:cTn>
+                        </p:par>
+                      </p:childTnLst>
+                    </p:cTn>
+                  </p:par>
+                  <p:par>
+                    <p:cTn id="7" fill="hold">
+                      <p:stCondLst>
+                        <p:cond delay="indefinite"/>
+                      </p:stCondLst>
+                      <p:childTnLst>
+                        <p:par>
+                          <p:cTn id="8" fill="hold">
+                            <p:stCondLst>
+                              <p:cond delay="0"/>
+                            </p:stCondLst>
+                            <p:childTnLst>
                               <p:par>
-                                <p:cTn id="7" presetID="1" presetClass="entr" presetSubtype="0" fill="hold" grpId="0" nodeType="withEffect">
+                                <p:cTn id="9" presetID="1" presetClass="entr" presetSubtype="0" fill="hold" grpId="0" nodeType="clickEffect">
                                   <p:stCondLst>
                                     <p:cond delay="0"/>
                                   </p:stCondLst>
                                   <p:childTnLst>
                                     <p:set>
                                       <p:cBhvr>
-                                        <p:cTn id="8" dur="1" fill="hold">
+                                        <p:cTn id="10" dur="1" fill="hold">
                                           <p:stCondLst>
                                             <p:cond delay="0"/>
                                           </p:stCondLst>
@@ -10840,26 +10863,26 @@
                     </p:cTn>
                   </p:par>
                   <p:par>
-                    <p:cTn id="9" fill="hold">
+                    <p:cTn id="11" fill="hold">
                       <p:stCondLst>
                         <p:cond delay="indefinite"/>
                       </p:stCondLst>
                       <p:childTnLst>
                         <p:par>
-                          <p:cTn id="10" fill="hold">
+                          <p:cTn id="12" fill="hold">
                             <p:stCondLst>
                               <p:cond delay="0"/>
                             </p:stCondLst>
                             <p:childTnLst>
                               <p:par>
-                                <p:cTn id="11" presetID="1" presetClass="entr" presetSubtype="0" fill="hold" grpId="0" nodeType="clickEffect">
+                                <p:cTn id="13" presetID="1" presetClass="entr" presetSubtype="0" fill="hold" grpId="0" nodeType="clickEffect">
                                   <p:stCondLst>
                                     <p:cond delay="0"/>
                                   </p:stCondLst>
                                   <p:childTnLst>
                                     <p:set>
                                       <p:cBhvr>
-                                        <p:cTn id="12" dur="1" fill="hold">
+                                        <p:cTn id="14" dur="1" fill="hold">
                                           <p:stCondLst>
                                             <p:cond delay="0"/>
                                           </p:stCondLst>
@@ -10889,26 +10912,26 @@
                     </p:cTn>
                   </p:par>
                   <p:par>
-                    <p:cTn id="13" fill="hold">
+                    <p:cTn id="15" fill="hold">
                       <p:stCondLst>
                         <p:cond delay="indefinite"/>
                       </p:stCondLst>
                       <p:childTnLst>
                         <p:par>
-                          <p:cTn id="14" fill="hold">
+                          <p:cTn id="16" fill="hold">
                             <p:stCondLst>
                               <p:cond delay="0"/>
                             </p:stCondLst>
                             <p:childTnLst>
                               <p:par>
-                                <p:cTn id="15" presetID="1" presetClass="entr" presetSubtype="0" fill="hold" grpId="0" nodeType="clickEffect">
+                                <p:cTn id="17" presetID="1" presetClass="entr" presetSubtype="0" fill="hold" grpId="0" nodeType="clickEffect">
                                   <p:stCondLst>
                                     <p:cond delay="0"/>
                                   </p:stCondLst>
                                   <p:childTnLst>
                                     <p:set>
                                       <p:cBhvr>
-                                        <p:cTn id="16" dur="1" fill="hold">
+                                        <p:cTn id="18" dur="1" fill="hold">
                                           <p:stCondLst>
                                             <p:cond delay="0"/>
                                           </p:stCondLst>
@@ -10938,26 +10961,26 @@
                     </p:cTn>
                   </p:par>
                   <p:par>
-                    <p:cTn id="17" fill="hold">
+                    <p:cTn id="19" fill="hold">
                       <p:stCondLst>
                         <p:cond delay="indefinite"/>
                       </p:stCondLst>
                       <p:childTnLst>
                         <p:par>
-                          <p:cTn id="18" fill="hold">
+                          <p:cTn id="20" fill="hold">
                             <p:stCondLst>
                               <p:cond delay="0"/>
                             </p:stCondLst>
                             <p:childTnLst>
                               <p:par>
-                                <p:cTn id="19" presetID="1" presetClass="entr" presetSubtype="0" fill="hold" grpId="0" nodeType="clickEffect">
+                                <p:cTn id="21" presetID="1" presetClass="entr" presetSubtype="0" fill="hold" grpId="0" nodeType="clickEffect">
                                   <p:stCondLst>
                                     <p:cond delay="0"/>
                                   </p:stCondLst>
                                   <p:childTnLst>
                                     <p:set>
                                       <p:cBhvr>
-                                        <p:cTn id="20" dur="1" fill="hold">
+                                        <p:cTn id="22" dur="1" fill="hold">
                                           <p:stCondLst>
                                             <p:cond delay="0"/>
                                           </p:stCondLst>
@@ -10966,55 +10989,6 @@
                                           <p:spTgt spid="2">
                                             <p:txEl>
                                               <p:pRg st="4" end="4"/>
-                                            </p:txEl>
-                                          </p:spTgt>
-                                        </p:tgtEl>
-                                        <p:attrNameLst>
-                                          <p:attrName>style.visibility</p:attrName>
-                                        </p:attrNameLst>
-                                      </p:cBhvr>
-                                      <p:to>
-                                        <p:strVal val="visible"/>
-                                      </p:to>
-                                    </p:set>
-                                  </p:childTnLst>
-                                </p:cTn>
-                              </p:par>
-                            </p:childTnLst>
-                          </p:cTn>
-                        </p:par>
-                      </p:childTnLst>
-                    </p:cTn>
-                  </p:par>
-                  <p:par>
-                    <p:cTn id="21" fill="hold">
-                      <p:stCondLst>
-                        <p:cond delay="indefinite"/>
-                      </p:stCondLst>
-                      <p:childTnLst>
-                        <p:par>
-                          <p:cTn id="22" fill="hold">
-                            <p:stCondLst>
-                              <p:cond delay="0"/>
-                            </p:stCondLst>
-                            <p:childTnLst>
-                              <p:par>
-                                <p:cTn id="23" presetID="1" presetClass="entr" presetSubtype="0" fill="hold" grpId="0" nodeType="clickEffect">
-                                  <p:stCondLst>
-                                    <p:cond delay="0"/>
-                                  </p:stCondLst>
-                                  <p:childTnLst>
-                                    <p:set>
-                                      <p:cBhvr>
-                                        <p:cTn id="24" dur="1" fill="hold">
-                                          <p:stCondLst>
-                                            <p:cond delay="0"/>
-                                          </p:stCondLst>
-                                        </p:cTn>
-                                        <p:tgtEl>
-                                          <p:spTgt spid="2">
-                                            <p:txEl>
-                                              <p:pRg st="5" end="5"/>
                                             </p:txEl>
                                           </p:spTgt>
                                         </p:tgtEl>
@@ -13231,119 +13205,48 @@
         </p:spPr>
         <p:txBody>
           <a:bodyPr>
-            <a:normAutofit fontScale="85000" lnSpcReduction="10000"/>
+            <a:normAutofit/>
           </a:bodyPr>
           <a:lstStyle/>
           <a:p>
-            <a:pPr marL="0" indent="0">
-              <a:buNone/>
-              <a:defRPr/>
-            </a:pPr>
-            <a:r>
-              <a:rPr lang="en-US" altLang="nb-NO" sz="2100" dirty="0"/>
-              <a:t>How effective are bankruptcy disqualifications?</a:t>
-            </a:r>
-          </a:p>
-          <a:p>
-            <a:pPr marL="0" indent="0">
-              <a:buNone/>
-              <a:defRPr/>
-            </a:pPr>
-            <a:endParaRPr lang="en-US" altLang="nb-NO" sz="1300" dirty="0"/>
-          </a:p>
-          <a:p>
-            <a:pPr marL="457200" indent="-457200">
-              <a:buFont typeface="+mj-lt"/>
-              <a:buAutoNum type="arabicPeriod"/>
-            </a:pPr>
+            <a:r>
+              <a:rPr lang="en-US" b="1" dirty="0"/>
+              <a:t>Research Question</a:t>
+            </a:r>
+          </a:p>
+          <a:p>
+            <a:pPr lvl="1"/>
             <a:r>
               <a:rPr lang="en-US" dirty="0"/>
-              <a:t>Direct Effects </a:t>
+              <a:t>How do bankruptcy disqualification policies affect managerial behavior and labor market outcomes?</a:t>
+            </a:r>
+          </a:p>
+          <a:p>
+            <a:r>
+              <a:rPr lang="en-US" b="1" dirty="0"/>
+              <a:t>Key Hypotheses</a:t>
             </a:r>
           </a:p>
           <a:p>
             <a:pPr lvl="1"/>
             <a:r>
+              <a:rPr lang="en-US" spc="-70" dirty="0"/>
+              <a:t>H1: Disqualifications reduce repeat offenses by increasing personal costs</a:t>
+            </a:r>
+          </a:p>
+          <a:p>
+            <a:pPr lvl="1"/>
+            <a:r>
+              <a:rPr lang="en-US" spc="-10" dirty="0"/>
+              <a:t>H2: Managers adapt through strategic delegation to family members</a:t>
+            </a:r>
+          </a:p>
+          <a:p>
+            <a:pPr lvl="1"/>
+            <a:r>
               <a:rPr lang="en-US" dirty="0"/>
-              <a:t>Managerial resurrection rates </a:t>
-            </a:r>
-            <a:r>
-              <a:rPr lang="en-US" altLang="nb-NO" dirty="0"/>
-              <a:t>after the quarantine expires</a:t>
-            </a:r>
-            <a:endParaRPr lang="en-US" dirty="0"/>
-          </a:p>
-          <a:p>
-            <a:pPr lvl="1"/>
-            <a:r>
-              <a:rPr lang="en-US" dirty="0"/>
-              <a:t>Personal economic costs</a:t>
-            </a:r>
-          </a:p>
-          <a:p>
-            <a:pPr marL="457200" indent="-457200">
-              <a:buFont typeface="+mj-lt"/>
-              <a:buAutoNum type="arabicPeriod"/>
-            </a:pPr>
-            <a:r>
-              <a:rPr lang="en-US" dirty="0"/>
-              <a:t>Strategic Responses </a:t>
-            </a:r>
-          </a:p>
-          <a:p>
-            <a:pPr lvl="1"/>
-            <a:r>
-              <a:rPr lang="en-US" dirty="0"/>
-              <a:t>Strawman </a:t>
-            </a:r>
-            <a:r>
-              <a:rPr lang="en-US" altLang="nb-NO" dirty="0"/>
-              <a:t>(front man/pawn)</a:t>
-            </a:r>
-            <a:r>
-              <a:rPr lang="en-US" dirty="0"/>
-              <a:t> appointments</a:t>
-            </a:r>
-          </a:p>
-          <a:p>
-            <a:pPr lvl="1"/>
-            <a:r>
-              <a:rPr lang="en-US" dirty="0"/>
-              <a:t>Family member involvement</a:t>
-            </a:r>
-          </a:p>
-          <a:p>
-            <a:pPr marL="457200" indent="-457200">
-              <a:buFont typeface="+mj-lt"/>
-              <a:buAutoNum type="arabicPeriod"/>
-            </a:pPr>
-            <a:r>
-              <a:rPr lang="en-US" dirty="0"/>
-              <a:t>Broader Impact </a:t>
-            </a:r>
-          </a:p>
-          <a:p>
-            <a:pPr lvl="1"/>
-            <a:r>
-              <a:rPr lang="en-US" dirty="0"/>
-              <a:t>Future bankruptcies/crimes</a:t>
-            </a:r>
-          </a:p>
-          <a:p>
-            <a:pPr lvl="1"/>
-            <a:r>
-              <a:rPr lang="en-US" dirty="0"/>
-              <a:t>Changes in managerial labor pool</a:t>
-            </a:r>
-            <a:endParaRPr lang="en-US" altLang="nb-NO" sz="1800" dirty="0"/>
-          </a:p>
-          <a:p>
-            <a:pPr marL="342900" indent="-342900">
-              <a:buFont typeface="Arial" panose="020B0604020202020204" pitchFamily="34" charset="0"/>
-              <a:buChar char="•"/>
-              <a:defRPr/>
-            </a:pPr>
-            <a:endParaRPr lang="en-US" altLang="nb-NO" sz="1000" dirty="0"/>
+              <a:t>H3: Policy shifts managerial labor pool composition</a:t>
+            </a:r>
           </a:p>
         </p:txBody>
       </p:sp>
@@ -13364,7 +13267,7 @@
           <a:p>
             <a:r>
               <a:rPr lang="en-US" dirty="0"/>
-              <a:t>Research Question</a:t>
+              <a:t>Research Question &amp; Hypotheses</a:t>
             </a:r>
           </a:p>
         </p:txBody>
@@ -13444,33 +13347,15 @@
                                   </p:childTnLst>
                                 </p:cTn>
                               </p:par>
-                            </p:childTnLst>
-                          </p:cTn>
-                        </p:par>
-                      </p:childTnLst>
-                    </p:cTn>
-                  </p:par>
-                  <p:par>
-                    <p:cTn id="7" fill="hold">
-                      <p:stCondLst>
-                        <p:cond delay="indefinite"/>
-                      </p:stCondLst>
-                      <p:childTnLst>
-                        <p:par>
-                          <p:cTn id="8" fill="hold">
-                            <p:stCondLst>
-                              <p:cond delay="0"/>
-                            </p:stCondLst>
-                            <p:childTnLst>
                               <p:par>
-                                <p:cTn id="9" presetID="1" presetClass="entr" presetSubtype="0" fill="hold" grpId="0" nodeType="clickEffect">
+                                <p:cTn id="7" presetID="1" presetClass="entr" presetSubtype="0" fill="hold" grpId="0" nodeType="withEffect">
                                   <p:stCondLst>
                                     <p:cond delay="0"/>
                                   </p:stCondLst>
                                   <p:childTnLst>
                                     <p:set>
                                       <p:cBhvr>
-                                        <p:cTn id="10" dur="1" fill="hold">
+                                        <p:cTn id="8" dur="1" fill="hold">
                                           <p:stCondLst>
                                             <p:cond delay="0"/>
                                           </p:stCondLst>
@@ -13478,7 +13363,7 @@
                                         <p:tgtEl>
                                           <p:spTgt spid="2">
                                             <p:txEl>
-                                              <p:pRg st="2" end="2"/>
+                                              <p:pRg st="1" end="1"/>
                                             </p:txEl>
                                           </p:spTgt>
                                         </p:tgtEl>
@@ -13493,8 +13378,26 @@
                                   </p:childTnLst>
                                 </p:cTn>
                               </p:par>
+                            </p:childTnLst>
+                          </p:cTn>
+                        </p:par>
+                      </p:childTnLst>
+                    </p:cTn>
+                  </p:par>
+                  <p:par>
+                    <p:cTn id="9" fill="hold">
+                      <p:stCondLst>
+                        <p:cond delay="indefinite"/>
+                      </p:stCondLst>
+                      <p:childTnLst>
+                        <p:par>
+                          <p:cTn id="10" fill="hold">
+                            <p:stCondLst>
+                              <p:cond delay="0"/>
+                            </p:stCondLst>
+                            <p:childTnLst>
                               <p:par>
-                                <p:cTn id="11" presetID="1" presetClass="entr" presetSubtype="0" fill="hold" grpId="0" nodeType="withEffect">
+                                <p:cTn id="11" presetID="1" presetClass="entr" presetSubtype="0" fill="hold" grpId="0" nodeType="clickEffect">
                                   <p:stCondLst>
                                     <p:cond delay="0"/>
                                   </p:stCondLst>
@@ -13509,7 +13412,7 @@
                                         <p:tgtEl>
                                           <p:spTgt spid="2">
                                             <p:txEl>
-                                              <p:pRg st="3" end="3"/>
+                                              <p:pRg st="2" end="2"/>
                                             </p:txEl>
                                           </p:spTgt>
                                         </p:tgtEl>
@@ -13540,6 +13443,37 @@
                                         <p:tgtEl>
                                           <p:spTgt spid="2">
                                             <p:txEl>
+                                              <p:pRg st="3" end="3"/>
+                                            </p:txEl>
+                                          </p:spTgt>
+                                        </p:tgtEl>
+                                        <p:attrNameLst>
+                                          <p:attrName>style.visibility</p:attrName>
+                                        </p:attrNameLst>
+                                      </p:cBhvr>
+                                      <p:to>
+                                        <p:strVal val="visible"/>
+                                      </p:to>
+                                    </p:set>
+                                  </p:childTnLst>
+                                </p:cTn>
+                              </p:par>
+                              <p:par>
+                                <p:cTn id="15" presetID="1" presetClass="entr" presetSubtype="0" fill="hold" grpId="0" nodeType="withEffect">
+                                  <p:stCondLst>
+                                    <p:cond delay="0"/>
+                                  </p:stCondLst>
+                                  <p:childTnLst>
+                                    <p:set>
+                                      <p:cBhvr>
+                                        <p:cTn id="16" dur="1" fill="hold">
+                                          <p:stCondLst>
+                                            <p:cond delay="0"/>
+                                          </p:stCondLst>
+                                        </p:cTn>
+                                        <p:tgtEl>
+                                          <p:spTgt spid="2">
+                                            <p:txEl>
                                               <p:pRg st="4" end="4"/>
                                             </p:txEl>
                                           </p:spTgt>
@@ -13555,26 +13489,8 @@
                                   </p:childTnLst>
                                 </p:cTn>
                               </p:par>
-                            </p:childTnLst>
-                          </p:cTn>
-                        </p:par>
-                      </p:childTnLst>
-                    </p:cTn>
-                  </p:par>
-                  <p:par>
-                    <p:cTn id="15" fill="hold">
-                      <p:stCondLst>
-                        <p:cond delay="indefinite"/>
-                      </p:stCondLst>
-                      <p:childTnLst>
-                        <p:par>
-                          <p:cTn id="16" fill="hold">
-                            <p:stCondLst>
-                              <p:cond delay="0"/>
-                            </p:stCondLst>
-                            <p:childTnLst>
                               <p:par>
-                                <p:cTn id="17" presetID="1" presetClass="entr" presetSubtype="0" fill="hold" grpId="0" nodeType="clickEffect">
+                                <p:cTn id="17" presetID="1" presetClass="entr" presetSubtype="0" fill="hold" grpId="0" nodeType="withEffect">
                                   <p:stCondLst>
                                     <p:cond delay="0"/>
                                   </p:stCondLst>
@@ -13590,179 +13506,6 @@
                                           <p:spTgt spid="2">
                                             <p:txEl>
                                               <p:pRg st="5" end="5"/>
-                                            </p:txEl>
-                                          </p:spTgt>
-                                        </p:tgtEl>
-                                        <p:attrNameLst>
-                                          <p:attrName>style.visibility</p:attrName>
-                                        </p:attrNameLst>
-                                      </p:cBhvr>
-                                      <p:to>
-                                        <p:strVal val="visible"/>
-                                      </p:to>
-                                    </p:set>
-                                  </p:childTnLst>
-                                </p:cTn>
-                              </p:par>
-                              <p:par>
-                                <p:cTn id="19" presetID="1" presetClass="entr" presetSubtype="0" fill="hold" grpId="0" nodeType="withEffect">
-                                  <p:stCondLst>
-                                    <p:cond delay="0"/>
-                                  </p:stCondLst>
-                                  <p:childTnLst>
-                                    <p:set>
-                                      <p:cBhvr>
-                                        <p:cTn id="20" dur="1" fill="hold">
-                                          <p:stCondLst>
-                                            <p:cond delay="0"/>
-                                          </p:stCondLst>
-                                        </p:cTn>
-                                        <p:tgtEl>
-                                          <p:spTgt spid="2">
-                                            <p:txEl>
-                                              <p:pRg st="6" end="6"/>
-                                            </p:txEl>
-                                          </p:spTgt>
-                                        </p:tgtEl>
-                                        <p:attrNameLst>
-                                          <p:attrName>style.visibility</p:attrName>
-                                        </p:attrNameLst>
-                                      </p:cBhvr>
-                                      <p:to>
-                                        <p:strVal val="visible"/>
-                                      </p:to>
-                                    </p:set>
-                                  </p:childTnLst>
-                                </p:cTn>
-                              </p:par>
-                              <p:par>
-                                <p:cTn id="21" presetID="1" presetClass="entr" presetSubtype="0" fill="hold" grpId="0" nodeType="withEffect">
-                                  <p:stCondLst>
-                                    <p:cond delay="0"/>
-                                  </p:stCondLst>
-                                  <p:childTnLst>
-                                    <p:set>
-                                      <p:cBhvr>
-                                        <p:cTn id="22" dur="1" fill="hold">
-                                          <p:stCondLst>
-                                            <p:cond delay="0"/>
-                                          </p:stCondLst>
-                                        </p:cTn>
-                                        <p:tgtEl>
-                                          <p:spTgt spid="2">
-                                            <p:txEl>
-                                              <p:pRg st="7" end="7"/>
-                                            </p:txEl>
-                                          </p:spTgt>
-                                        </p:tgtEl>
-                                        <p:attrNameLst>
-                                          <p:attrName>style.visibility</p:attrName>
-                                        </p:attrNameLst>
-                                      </p:cBhvr>
-                                      <p:to>
-                                        <p:strVal val="visible"/>
-                                      </p:to>
-                                    </p:set>
-                                  </p:childTnLst>
-                                </p:cTn>
-                              </p:par>
-                            </p:childTnLst>
-                          </p:cTn>
-                        </p:par>
-                      </p:childTnLst>
-                    </p:cTn>
-                  </p:par>
-                  <p:par>
-                    <p:cTn id="23" fill="hold">
-                      <p:stCondLst>
-                        <p:cond delay="indefinite"/>
-                      </p:stCondLst>
-                      <p:childTnLst>
-                        <p:par>
-                          <p:cTn id="24" fill="hold">
-                            <p:stCondLst>
-                              <p:cond delay="0"/>
-                            </p:stCondLst>
-                            <p:childTnLst>
-                              <p:par>
-                                <p:cTn id="25" presetID="1" presetClass="entr" presetSubtype="0" fill="hold" grpId="0" nodeType="clickEffect">
-                                  <p:stCondLst>
-                                    <p:cond delay="0"/>
-                                  </p:stCondLst>
-                                  <p:childTnLst>
-                                    <p:set>
-                                      <p:cBhvr>
-                                        <p:cTn id="26" dur="1" fill="hold">
-                                          <p:stCondLst>
-                                            <p:cond delay="0"/>
-                                          </p:stCondLst>
-                                        </p:cTn>
-                                        <p:tgtEl>
-                                          <p:spTgt spid="2">
-                                            <p:txEl>
-                                              <p:pRg st="8" end="8"/>
-                                            </p:txEl>
-                                          </p:spTgt>
-                                        </p:tgtEl>
-                                        <p:attrNameLst>
-                                          <p:attrName>style.visibility</p:attrName>
-                                        </p:attrNameLst>
-                                      </p:cBhvr>
-                                      <p:to>
-                                        <p:strVal val="visible"/>
-                                      </p:to>
-                                    </p:set>
-                                  </p:childTnLst>
-                                </p:cTn>
-                              </p:par>
-                              <p:par>
-                                <p:cTn id="27" presetID="1" presetClass="entr" presetSubtype="0" fill="hold" grpId="0" nodeType="withEffect">
-                                  <p:stCondLst>
-                                    <p:cond delay="0"/>
-                                  </p:stCondLst>
-                                  <p:childTnLst>
-                                    <p:set>
-                                      <p:cBhvr>
-                                        <p:cTn id="28" dur="1" fill="hold">
-                                          <p:stCondLst>
-                                            <p:cond delay="0"/>
-                                          </p:stCondLst>
-                                        </p:cTn>
-                                        <p:tgtEl>
-                                          <p:spTgt spid="2">
-                                            <p:txEl>
-                                              <p:pRg st="9" end="9"/>
-                                            </p:txEl>
-                                          </p:spTgt>
-                                        </p:tgtEl>
-                                        <p:attrNameLst>
-                                          <p:attrName>style.visibility</p:attrName>
-                                        </p:attrNameLst>
-                                      </p:cBhvr>
-                                      <p:to>
-                                        <p:strVal val="visible"/>
-                                      </p:to>
-                                    </p:set>
-                                  </p:childTnLst>
-                                </p:cTn>
-                              </p:par>
-                              <p:par>
-                                <p:cTn id="29" presetID="1" presetClass="entr" presetSubtype="0" fill="hold" grpId="0" nodeType="withEffect">
-                                  <p:stCondLst>
-                                    <p:cond delay="0"/>
-                                  </p:stCondLst>
-                                  <p:childTnLst>
-                                    <p:set>
-                                      <p:cBhvr>
-                                        <p:cTn id="30" dur="1" fill="hold">
-                                          <p:stCondLst>
-                                            <p:cond delay="0"/>
-                                          </p:stCondLst>
-                                        </p:cTn>
-                                        <p:tgtEl>
-                                          <p:spTgt spid="2">
-                                            <p:txEl>
-                                              <p:pRg st="10" end="10"/>
                                             </p:txEl>
                                           </p:spTgt>
                                         </p:tgtEl>
@@ -14154,62 +13897,37 @@
         <p:spPr/>
         <p:txBody>
           <a:bodyPr vert="horz" lIns="0" tIns="0" rIns="0" bIns="0" rtlCol="0" anchor="t">
-            <a:normAutofit fontScale="92500" lnSpcReduction="20000"/>
+            <a:normAutofit/>
           </a:bodyPr>
           <a:lstStyle/>
           <a:p>
-            <a:pPr marL="285750" indent="-285750">
-              <a:buFont typeface="Arial" panose="020B0604020202020204" pitchFamily="34" charset="0"/>
-              <a:buChar char="•"/>
+            <a:pPr>
               <a:defRPr/>
             </a:pPr>
             <a:r>
-              <a:rPr lang="nb-NO" altLang="nb-NO" sz="1800" dirty="0"/>
-              <a:t>Use data from Denmark that identifies </a:t>
-            </a:r>
-            <a:r>
-              <a:rPr lang="nb-NO" altLang="nb-NO" sz="1800" b="1" i="1" dirty="0"/>
-              <a:t>bankruptcy quarantined managers</a:t>
-            </a:r>
-            <a:r>
-              <a:rPr lang="nb-NO" altLang="nb-NO" sz="1800" dirty="0"/>
-              <a:t> to examine the effect and personal cost of quarantines</a:t>
-            </a:r>
-          </a:p>
-          <a:p>
-            <a:pPr marL="285750" indent="-285750">
-              <a:buFont typeface="Arial" panose="020B0604020202020204" pitchFamily="34" charset="0"/>
-              <a:buChar char="•"/>
+              <a:rPr lang="en-US" altLang="nb-NO" sz="1800" dirty="0"/>
+              <a:t>Diff-in-diff using 2014 Danish bankruptcy disqualification reform</a:t>
+            </a:r>
+          </a:p>
+          <a:p>
+            <a:pPr>
               <a:defRPr/>
             </a:pPr>
+            <a:r>
+              <a:rPr lang="nb-NO" altLang="nb-NO" sz="1800" dirty="0"/>
+              <a:t>Treatment: bankruptcy quarantined managers</a:t>
+            </a:r>
             <a:endParaRPr lang="nb-NO" altLang="nb-NO" sz="1000" dirty="0"/>
           </a:p>
           <a:p>
-            <a:pPr marL="285750" indent="-285750">
-              <a:buFont typeface="Arial" panose="020B0604020202020204" pitchFamily="34" charset="0"/>
-              <a:buChar char="•"/>
+            <a:pPr>
               <a:defRPr/>
             </a:pPr>
             <a:r>
-              <a:rPr lang="nb-NO" altLang="nb-NO" sz="1800" dirty="0"/>
-              <a:t>Compare outcomes to a control group of </a:t>
-            </a:r>
-            <a:r>
-              <a:rPr lang="nb-NO" altLang="nb-NO" sz="1800" b="1" i="1" dirty="0"/>
-              <a:t>bankrupt, but not quarantined managers</a:t>
-            </a:r>
-            <a:r>
-              <a:rPr lang="nb-NO" altLang="nb-NO" sz="1800" dirty="0"/>
-              <a:t> in the same year &amp; court</a:t>
-            </a:r>
-          </a:p>
-          <a:p>
-            <a:pPr marL="285750" indent="-285750">
-              <a:buFont typeface="Arial" panose="020B0604020202020204" pitchFamily="34" charset="0"/>
-              <a:buChar char="•"/>
-              <a:defRPr/>
-            </a:pPr>
-            <a:endParaRPr lang="nb-NO" altLang="nb-NO" sz="1000" dirty="0"/>
+              <a:rPr lang="nb-NO" altLang="nb-NO" sz="1800" spc="-60" dirty="0"/>
+              <a:t>Control: bankrupt, but not quarantined managers in the same year &amp; court</a:t>
+            </a:r>
+            <a:endParaRPr lang="nb-NO" altLang="nb-NO" sz="1000" spc="-60" dirty="0"/>
           </a:p>
           <a:p>
             <a:pPr>
@@ -14243,13 +13961,6 @@
               </a:rPr>
               <a:t>Comparable setting to countries that publish the list of disqualified managers (e.g., Norway, Sweden, Australia)</a:t>
             </a:r>
-          </a:p>
-          <a:p>
-            <a:pPr marL="285750" lvl="1">
-              <a:buFont typeface="Arial" panose="020B0604020202020204" pitchFamily="34" charset="0"/>
-              <a:buChar char="•"/>
-              <a:defRPr/>
-            </a:pPr>
             <a:endParaRPr lang="en-US" altLang="nb-NO" sz="1000" dirty="0"/>
           </a:p>
           <a:p>
@@ -14286,7 +13997,7 @@
           <a:p>
             <a:r>
               <a:rPr lang="en-US" dirty="0"/>
-              <a:t>What we do</a:t>
+              <a:t>Research design</a:t>
             </a:r>
           </a:p>
         </p:txBody>
@@ -14397,7 +14108,7 @@
                                         <p:tgtEl>
                                           <p:spTgt spid="2">
                                             <p:txEl>
-                                              <p:pRg st="2" end="2"/>
+                                              <p:pRg st="1" end="1"/>
                                             </p:txEl>
                                           </p:spTgt>
                                         </p:tgtEl>
@@ -14446,6 +14157,86 @@
                                         <p:tgtEl>
                                           <p:spTgt spid="2">
                                             <p:txEl>
+                                              <p:pRg st="2" end="2"/>
+                                            </p:txEl>
+                                          </p:spTgt>
+                                        </p:tgtEl>
+                                        <p:attrNameLst>
+                                          <p:attrName>style.visibility</p:attrName>
+                                        </p:attrNameLst>
+                                      </p:cBhvr>
+                                      <p:to>
+                                        <p:strVal val="visible"/>
+                                      </p:to>
+                                    </p:set>
+                                  </p:childTnLst>
+                                </p:cTn>
+                              </p:par>
+                            </p:childTnLst>
+                          </p:cTn>
+                        </p:par>
+                      </p:childTnLst>
+                    </p:cTn>
+                  </p:par>
+                  <p:par>
+                    <p:cTn id="15" fill="hold">
+                      <p:stCondLst>
+                        <p:cond delay="indefinite"/>
+                      </p:stCondLst>
+                      <p:childTnLst>
+                        <p:par>
+                          <p:cTn id="16" fill="hold">
+                            <p:stCondLst>
+                              <p:cond delay="0"/>
+                            </p:stCondLst>
+                            <p:childTnLst>
+                              <p:par>
+                                <p:cTn id="17" presetID="1" presetClass="entr" presetSubtype="0" fill="hold" grpId="0" nodeType="clickEffect">
+                                  <p:stCondLst>
+                                    <p:cond delay="0"/>
+                                  </p:stCondLst>
+                                  <p:childTnLst>
+                                    <p:set>
+                                      <p:cBhvr>
+                                        <p:cTn id="18" dur="1" fill="hold">
+                                          <p:stCondLst>
+                                            <p:cond delay="0"/>
+                                          </p:stCondLst>
+                                        </p:cTn>
+                                        <p:tgtEl>
+                                          <p:spTgt spid="2">
+                                            <p:txEl>
+                                              <p:pRg st="3" end="3"/>
+                                            </p:txEl>
+                                          </p:spTgt>
+                                        </p:tgtEl>
+                                        <p:attrNameLst>
+                                          <p:attrName>style.visibility</p:attrName>
+                                        </p:attrNameLst>
+                                      </p:cBhvr>
+                                      <p:to>
+                                        <p:strVal val="visible"/>
+                                      </p:to>
+                                    </p:set>
+                                  </p:childTnLst>
+                                </p:cTn>
+                              </p:par>
+                              <p:par>
+                                <p:cTn id="19" presetID="1" presetClass="entr" presetSubtype="0" fill="hold" grpId="0" nodeType="withEffect">
+                                  <p:stCondLst>
+                                    <p:cond delay="0"/>
+                                  </p:stCondLst>
+                                  <p:childTnLst>
+                                    <p:set>
+                                      <p:cBhvr>
+                                        <p:cTn id="20" dur="1" fill="hold">
+                                          <p:stCondLst>
+                                            <p:cond delay="0"/>
+                                          </p:stCondLst>
+                                        </p:cTn>
+                                        <p:tgtEl>
+                                          <p:spTgt spid="2">
+                                            <p:txEl>
                                               <p:pRg st="4" end="4"/>
                                             </p:txEl>
                                           </p:spTgt>
@@ -14462,14 +14253,14 @@
                                 </p:cTn>
                               </p:par>
                               <p:par>
-                                <p:cTn id="15" presetID="1" presetClass="entr" presetSubtype="0" fill="hold" grpId="0" nodeType="withEffect">
+                                <p:cTn id="21" presetID="1" presetClass="entr" presetSubtype="0" fill="hold" grpId="0" nodeType="withEffect">
                                   <p:stCondLst>
                                     <p:cond delay="0"/>
                                   </p:stCondLst>
                                   <p:childTnLst>
                                     <p:set>
                                       <p:cBhvr>
-                                        <p:cTn id="16" dur="1" fill="hold">
+                                        <p:cTn id="22" dur="1" fill="hold">
                                           <p:stCondLst>
                                             <p:cond delay="0"/>
                                           </p:stCondLst>
@@ -14492,15 +14283,33 @@
                                   </p:childTnLst>
                                 </p:cTn>
                               </p:par>
+                            </p:childTnLst>
+                          </p:cTn>
+                        </p:par>
+                      </p:childTnLst>
+                    </p:cTn>
+                  </p:par>
+                  <p:par>
+                    <p:cTn id="23" fill="hold">
+                      <p:stCondLst>
+                        <p:cond delay="indefinite"/>
+                      </p:stCondLst>
+                      <p:childTnLst>
+                        <p:par>
+                          <p:cTn id="24" fill="hold">
+                            <p:stCondLst>
+                              <p:cond delay="0"/>
+                            </p:stCondLst>
+                            <p:childTnLst>
                               <p:par>
-                                <p:cTn id="17" presetID="1" presetClass="entr" presetSubtype="0" fill="hold" grpId="0" nodeType="withEffect">
+                                <p:cTn id="25" presetID="1" presetClass="entr" presetSubtype="0" fill="hold" grpId="0" nodeType="clickEffect">
                                   <p:stCondLst>
                                     <p:cond delay="0"/>
                                   </p:stCondLst>
                                   <p:childTnLst>
                                     <p:set>
                                       <p:cBhvr>
-                                        <p:cTn id="18" dur="1" fill="hold">
+                                        <p:cTn id="26" dur="1" fill="hold">
                                           <p:stCondLst>
                                             <p:cond delay="0"/>
                                           </p:stCondLst>
@@ -14509,55 +14318,6 @@
                                           <p:spTgt spid="2">
                                             <p:txEl>
                                               <p:pRg st="6" end="6"/>
-                                            </p:txEl>
-                                          </p:spTgt>
-                                        </p:tgtEl>
-                                        <p:attrNameLst>
-                                          <p:attrName>style.visibility</p:attrName>
-                                        </p:attrNameLst>
-                                      </p:cBhvr>
-                                      <p:to>
-                                        <p:strVal val="visible"/>
-                                      </p:to>
-                                    </p:set>
-                                  </p:childTnLst>
-                                </p:cTn>
-                              </p:par>
-                            </p:childTnLst>
-                          </p:cTn>
-                        </p:par>
-                      </p:childTnLst>
-                    </p:cTn>
-                  </p:par>
-                  <p:par>
-                    <p:cTn id="19" fill="hold">
-                      <p:stCondLst>
-                        <p:cond delay="indefinite"/>
-                      </p:stCondLst>
-                      <p:childTnLst>
-                        <p:par>
-                          <p:cTn id="20" fill="hold">
-                            <p:stCondLst>
-                              <p:cond delay="0"/>
-                            </p:stCondLst>
-                            <p:childTnLst>
-                              <p:par>
-                                <p:cTn id="21" presetID="1" presetClass="entr" presetSubtype="0" fill="hold" grpId="0" nodeType="clickEffect">
-                                  <p:stCondLst>
-                                    <p:cond delay="0"/>
-                                  </p:stCondLst>
-                                  <p:childTnLst>
-                                    <p:set>
-                                      <p:cBhvr>
-                                        <p:cTn id="22" dur="1" fill="hold">
-                                          <p:stCondLst>
-                                            <p:cond delay="0"/>
-                                          </p:stCondLst>
-                                        </p:cTn>
-                                        <p:tgtEl>
-                                          <p:spTgt spid="2">
-                                            <p:txEl>
-                                              <p:pRg st="8" end="8"/>
                                             </p:txEl>
                                           </p:spTgt>
                                         </p:tgtEl>
@@ -14645,69 +14405,159 @@
           </a:bodyPr>
           <a:lstStyle/>
           <a:p>
-            <a:pPr marL="285750" indent="-285750">
-              <a:buFont typeface="Arial" panose="020B0604020202020204" pitchFamily="34" charset="0"/>
-              <a:buChar char="•"/>
-              <a:defRPr/>
+            <a:pPr marL="342900" indent="-342900">
+              <a:spcAft>
+                <a:spcPts val="600"/>
+              </a:spcAft>
+              <a:buFont typeface="+mj-lt"/>
+              <a:buAutoNum type="arabicPeriod"/>
             </a:pPr>
             <a:r>
-              <a:rPr lang="en-US" altLang="nb-NO" sz="1800" dirty="0"/>
-              <a:t>Low incidence of resurrections – around 15% are holding a managerial position 5 years after bankruptcy</a:t>
-            </a:r>
-          </a:p>
-          <a:p>
-            <a:pPr marL="285750" indent="-285750">
-              <a:buFont typeface="Arial" panose="020B0604020202020204" pitchFamily="34" charset="0"/>
-              <a:buChar char="•"/>
-              <a:defRPr/>
+              <a:rPr lang="en-US" sz="1400" b="1" dirty="0">
+                <a:solidFill>
+                  <a:srgbClr val="030712"/>
+                </a:solidFill>
+              </a:rPr>
+              <a:t>Direct Effects on Managerial Careers</a:t>
+            </a:r>
+          </a:p>
+          <a:p>
+            <a:pPr lvl="1">
+              <a:spcAft>
+                <a:spcPts val="600"/>
+              </a:spcAft>
             </a:pPr>
             <a:r>
-              <a:rPr lang="en-US" altLang="nb-NO" sz="1800" dirty="0"/>
-              <a:t>Strawman (front man/pawn) appointments occur</a:t>
+              <a:rPr lang="en-US" sz="1400" dirty="0">
+                <a:solidFill>
+                  <a:srgbClr val="030712"/>
+                </a:solidFill>
+              </a:rPr>
+              <a:t>Managerial resurrection rate: Only 15% hold managerial positions after 5 years (vs. 30% in control group)</a:t>
             </a:r>
           </a:p>
           <a:p>
             <a:pPr lvl="1">
-              <a:defRPr/>
+              <a:spcAft>
+                <a:spcPts val="600"/>
+              </a:spcAft>
             </a:pPr>
             <a:r>
-              <a:rPr lang="en-US" altLang="nb-NO" sz="1600" dirty="0"/>
-              <a:t>Likelihood that family members hold a managerial position increases</a:t>
-            </a:r>
-            <a:endParaRPr lang="en-US" altLang="nb-NO" sz="1600" b="1" i="1" u="sng" dirty="0"/>
-          </a:p>
-          <a:p>
-            <a:pPr marL="285750" indent="-285750">
-              <a:buFont typeface="Arial" panose="020B0604020202020204" pitchFamily="34" charset="0"/>
-              <a:buChar char="•"/>
-              <a:defRPr/>
+              <a:rPr lang="en-US" sz="1400" dirty="0">
+                <a:solidFill>
+                  <a:srgbClr val="030712"/>
+                </a:solidFill>
+              </a:rPr>
+              <a:t>Personal costs: 20% lower personal income after disqualification</a:t>
+            </a:r>
+          </a:p>
+          <a:p>
+            <a:pPr marL="342900" indent="-342900">
+              <a:spcAft>
+                <a:spcPts val="600"/>
+              </a:spcAft>
+              <a:buFont typeface="+mj-lt"/>
+              <a:buAutoNum type="arabicPeriod"/>
             </a:pPr>
             <a:r>
-              <a:rPr lang="en-US" altLang="nb-NO" sz="1800" dirty="0"/>
-              <a:t>Personal costs are large for quarantined individuals – future personal income is around 20% lower, large effect on assets and liabilities, but small effect on net wealth</a:t>
-            </a:r>
-          </a:p>
-          <a:p>
-            <a:pPr marL="285750" indent="-285750">
-              <a:buFont typeface="Arial" panose="020B0604020202020204" pitchFamily="34" charset="0"/>
-              <a:buChar char="•"/>
-              <a:defRPr/>
+              <a:rPr lang="en-US" sz="1400" b="1" dirty="0">
+                <a:solidFill>
+                  <a:srgbClr val="030712"/>
+                </a:solidFill>
+              </a:rPr>
+              <a:t>Strategic Response</a:t>
+            </a:r>
+          </a:p>
+          <a:p>
+            <a:pPr lvl="1">
+              <a:spcAft>
+                <a:spcPts val="600"/>
+              </a:spcAft>
             </a:pPr>
             <a:r>
-              <a:rPr lang="en-US" altLang="nb-NO" sz="1800" dirty="0"/>
-              <a:t>Lower incidence of future bankruptcies and crimes after quarantine</a:t>
-            </a:r>
-            <a:endParaRPr lang="en-US" altLang="nb-NO" sz="1000" dirty="0"/>
-          </a:p>
-          <a:p>
-            <a:pPr marL="285750" indent="-285750">
-              <a:buFont typeface="Arial" panose="020B0604020202020204" pitchFamily="34" charset="0"/>
-              <a:buChar char="•"/>
-              <a:defRPr/>
+              <a:rPr lang="en-US" sz="1400" dirty="0">
+                <a:solidFill>
+                  <a:srgbClr val="030712"/>
+                </a:solidFill>
+              </a:rPr>
+              <a:t>Family member appointments increase by 20 pp</a:t>
+            </a:r>
+          </a:p>
+          <a:p>
+            <a:pPr lvl="2">
+              <a:spcAft>
+                <a:spcPts val="600"/>
+              </a:spcAft>
             </a:pPr>
             <a:r>
-              <a:rPr lang="en-US" altLang="nb-NO" sz="1800" dirty="0"/>
-              <a:t>Changes in the managerial labor pool, indicative of an increasing use of strawman appointments</a:t>
+              <a:rPr lang="en-US" sz="1400" dirty="0">
+                <a:solidFill>
+                  <a:srgbClr val="030712"/>
+                </a:solidFill>
+              </a:rPr>
+              <a:t>Driven by spousal appointments (15pp increase)</a:t>
+            </a:r>
+          </a:p>
+          <a:p>
+            <a:pPr marL="342900" indent="-342900">
+              <a:spcAft>
+                <a:spcPts val="600"/>
+              </a:spcAft>
+              <a:buFont typeface="+mj-lt"/>
+              <a:buAutoNum type="arabicPeriod"/>
+            </a:pPr>
+            <a:r>
+              <a:rPr lang="en-US" sz="1400" b="1" dirty="0">
+                <a:solidFill>
+                  <a:srgbClr val="030712"/>
+                </a:solidFill>
+              </a:rPr>
+              <a:t>Policy Effectiveness</a:t>
+            </a:r>
+          </a:p>
+          <a:p>
+            <a:pPr lvl="1">
+              <a:spcAft>
+                <a:spcPts val="600"/>
+              </a:spcAft>
+            </a:pPr>
+            <a:r>
+              <a:rPr lang="en-US" sz="1400" dirty="0">
+                <a:solidFill>
+                  <a:srgbClr val="030712"/>
+                </a:solidFill>
+              </a:rPr>
+              <a:t>Recidivism: Significant reduction in future bankruptcies (-19pp) and fraud (-10pp)</a:t>
+            </a:r>
+          </a:p>
+          <a:p>
+            <a:pPr lvl="1">
+              <a:spcAft>
+                <a:spcPts val="600"/>
+              </a:spcAft>
+            </a:pPr>
+            <a:r>
+              <a:rPr lang="en-US" sz="1400" dirty="0">
+                <a:solidFill>
+                  <a:srgbClr val="030712"/>
+                </a:solidFill>
+              </a:rPr>
+              <a:t>Labor pool composition: Shift toward managers with lower personal costs of disqualification</a:t>
+            </a:r>
+          </a:p>
+          <a:p>
+            <a:pPr lvl="2">
+              <a:spcAft>
+                <a:spcPts val="600"/>
+              </a:spcAft>
+            </a:pPr>
+            <a:r>
+              <a:rPr lang="en-US" sz="1400" dirty="0">
+                <a:solidFill>
+                  <a:srgbClr val="030712"/>
+                </a:solidFill>
+              </a:rPr>
+              <a:t>1.3pp increase in foreign managers, 0.6pp increase in welfare recipients</a:t>
             </a:r>
           </a:p>
         </p:txBody>
@@ -14791,7 +14641,7 @@
                                         <p:tgtEl>
                                           <p:spTgt spid="2">
                                             <p:txEl>
-                                              <p:pRg st="1" end="1"/>
+                                              <p:pRg st="0" end="0"/>
                                             </p:txEl>
                                           </p:spTgt>
                                         </p:tgtEl>
@@ -14822,6 +14672,37 @@
                                         <p:tgtEl>
                                           <p:spTgt spid="2">
                                             <p:txEl>
+                                              <p:pRg st="1" end="1"/>
+                                            </p:txEl>
+                                          </p:spTgt>
+                                        </p:tgtEl>
+                                        <p:attrNameLst>
+                                          <p:attrName>style.visibility</p:attrName>
+                                        </p:attrNameLst>
+                                      </p:cBhvr>
+                                      <p:to>
+                                        <p:strVal val="visible"/>
+                                      </p:to>
+                                    </p:set>
+                                  </p:childTnLst>
+                                </p:cTn>
+                              </p:par>
+                              <p:par>
+                                <p:cTn id="9" presetID="1" presetClass="entr" presetSubtype="0" fill="hold" grpId="0" nodeType="withEffect">
+                                  <p:stCondLst>
+                                    <p:cond delay="0"/>
+                                  </p:stCondLst>
+                                  <p:childTnLst>
+                                    <p:set>
+                                      <p:cBhvr>
+                                        <p:cTn id="10" dur="1" fill="hold">
+                                          <p:stCondLst>
+                                            <p:cond delay="0"/>
+                                          </p:stCondLst>
+                                        </p:cTn>
+                                        <p:tgtEl>
+                                          <p:spTgt spid="2">
+                                            <p:txEl>
                                               <p:pRg st="2" end="2"/>
                                             </p:txEl>
                                           </p:spTgt>
@@ -14844,26 +14725,26 @@
                     </p:cTn>
                   </p:par>
                   <p:par>
-                    <p:cTn id="9" fill="hold">
+                    <p:cTn id="11" fill="hold">
                       <p:stCondLst>
                         <p:cond delay="indefinite"/>
                       </p:stCondLst>
                       <p:childTnLst>
                         <p:par>
-                          <p:cTn id="10" fill="hold">
+                          <p:cTn id="12" fill="hold">
                             <p:stCondLst>
                               <p:cond delay="0"/>
                             </p:stCondLst>
                             <p:childTnLst>
                               <p:par>
-                                <p:cTn id="11" presetID="1" presetClass="entr" presetSubtype="0" fill="hold" grpId="0" nodeType="clickEffect">
+                                <p:cTn id="13" presetID="1" presetClass="entr" presetSubtype="0" fill="hold" grpId="0" nodeType="clickEffect">
                                   <p:stCondLst>
                                     <p:cond delay="0"/>
                                   </p:stCondLst>
                                   <p:childTnLst>
                                     <p:set>
                                       <p:cBhvr>
-                                        <p:cTn id="12" dur="1" fill="hold">
+                                        <p:cTn id="14" dur="1" fill="hold">
                                           <p:stCondLst>
                                             <p:cond delay="0"/>
                                           </p:stCondLst>
@@ -14886,26 +14767,8 @@
                                   </p:childTnLst>
                                 </p:cTn>
                               </p:par>
-                            </p:childTnLst>
-                          </p:cTn>
-                        </p:par>
-                      </p:childTnLst>
-                    </p:cTn>
-                  </p:par>
-                  <p:par>
-                    <p:cTn id="13" fill="hold">
-                      <p:stCondLst>
-                        <p:cond delay="indefinite"/>
-                      </p:stCondLst>
-                      <p:childTnLst>
-                        <p:par>
-                          <p:cTn id="14" fill="hold">
-                            <p:stCondLst>
-                              <p:cond delay="0"/>
-                            </p:stCondLst>
-                            <p:childTnLst>
                               <p:par>
-                                <p:cTn id="15" presetID="1" presetClass="entr" presetSubtype="0" fill="hold" grpId="0" nodeType="clickEffect">
+                                <p:cTn id="15" presetID="1" presetClass="entr" presetSubtype="0" fill="hold" grpId="0" nodeType="withEffect">
                                   <p:stCondLst>
                                     <p:cond delay="0"/>
                                   </p:stCondLst>
@@ -14935,33 +14798,15 @@
                                   </p:childTnLst>
                                 </p:cTn>
                               </p:par>
-                            </p:childTnLst>
-                          </p:cTn>
-                        </p:par>
-                      </p:childTnLst>
-                    </p:cTn>
-                  </p:par>
-                  <p:par>
-                    <p:cTn id="17" fill="hold">
-                      <p:stCondLst>
-                        <p:cond delay="indefinite"/>
-                      </p:stCondLst>
-                      <p:childTnLst>
-                        <p:par>
-                          <p:cTn id="18" fill="hold">
-                            <p:stCondLst>
-                              <p:cond delay="0"/>
-                            </p:stCondLst>
-                            <p:childTnLst>
                               <p:par>
-                                <p:cTn id="19" presetID="1" presetClass="entr" presetSubtype="0" fill="hold" grpId="0" nodeType="clickEffect">
+                                <p:cTn id="17" presetID="1" presetClass="entr" presetSubtype="0" fill="hold" grpId="0" nodeType="withEffect">
                                   <p:stCondLst>
                                     <p:cond delay="0"/>
                                   </p:stCondLst>
                                   <p:childTnLst>
                                     <p:set>
                                       <p:cBhvr>
-                                        <p:cTn id="20" dur="1" fill="hold">
+                                        <p:cTn id="18" dur="1" fill="hold">
                                           <p:stCondLst>
                                             <p:cond delay="0"/>
                                           </p:stCondLst>
@@ -14970,6 +14815,148 @@
                                           <p:spTgt spid="2">
                                             <p:txEl>
                                               <p:pRg st="5" end="5"/>
+                                            </p:txEl>
+                                          </p:spTgt>
+                                        </p:tgtEl>
+                                        <p:attrNameLst>
+                                          <p:attrName>style.visibility</p:attrName>
+                                        </p:attrNameLst>
+                                      </p:cBhvr>
+                                      <p:to>
+                                        <p:strVal val="visible"/>
+                                      </p:to>
+                                    </p:set>
+                                  </p:childTnLst>
+                                </p:cTn>
+                              </p:par>
+                            </p:childTnLst>
+                          </p:cTn>
+                        </p:par>
+                      </p:childTnLst>
+                    </p:cTn>
+                  </p:par>
+                  <p:par>
+                    <p:cTn id="19" fill="hold">
+                      <p:stCondLst>
+                        <p:cond delay="indefinite"/>
+                      </p:stCondLst>
+                      <p:childTnLst>
+                        <p:par>
+                          <p:cTn id="20" fill="hold">
+                            <p:stCondLst>
+                              <p:cond delay="0"/>
+                            </p:stCondLst>
+                            <p:childTnLst>
+                              <p:par>
+                                <p:cTn id="21" presetID="1" presetClass="entr" presetSubtype="0" fill="hold" grpId="0" nodeType="clickEffect">
+                                  <p:stCondLst>
+                                    <p:cond delay="0"/>
+                                  </p:stCondLst>
+                                  <p:childTnLst>
+                                    <p:set>
+                                      <p:cBhvr>
+                                        <p:cTn id="22" dur="1" fill="hold">
+                                          <p:stCondLst>
+                                            <p:cond delay="0"/>
+                                          </p:stCondLst>
+                                        </p:cTn>
+                                        <p:tgtEl>
+                                          <p:spTgt spid="2">
+                                            <p:txEl>
+                                              <p:pRg st="6" end="6"/>
+                                            </p:txEl>
+                                          </p:spTgt>
+                                        </p:tgtEl>
+                                        <p:attrNameLst>
+                                          <p:attrName>style.visibility</p:attrName>
+                                        </p:attrNameLst>
+                                      </p:cBhvr>
+                                      <p:to>
+                                        <p:strVal val="visible"/>
+                                      </p:to>
+                                    </p:set>
+                                  </p:childTnLst>
+                                </p:cTn>
+                              </p:par>
+                              <p:par>
+                                <p:cTn id="23" presetID="1" presetClass="entr" presetSubtype="0" fill="hold" grpId="0" nodeType="withEffect">
+                                  <p:stCondLst>
+                                    <p:cond delay="0"/>
+                                  </p:stCondLst>
+                                  <p:childTnLst>
+                                    <p:set>
+                                      <p:cBhvr>
+                                        <p:cTn id="24" dur="1" fill="hold">
+                                          <p:stCondLst>
+                                            <p:cond delay="0"/>
+                                          </p:stCondLst>
+                                        </p:cTn>
+                                        <p:tgtEl>
+                                          <p:spTgt spid="2">
+                                            <p:txEl>
+                                              <p:pRg st="7" end="7"/>
+                                            </p:txEl>
+                                          </p:spTgt>
+                                        </p:tgtEl>
+                                        <p:attrNameLst>
+                                          <p:attrName>style.visibility</p:attrName>
+                                        </p:attrNameLst>
+                                      </p:cBhvr>
+                                      <p:to>
+                                        <p:strVal val="visible"/>
+                                      </p:to>
+                                    </p:set>
+                                  </p:childTnLst>
+                                </p:cTn>
+                              </p:par>
+                              <p:par>
+                                <p:cTn id="25" presetID="1" presetClass="entr" presetSubtype="0" fill="hold" grpId="0" nodeType="withEffect">
+                                  <p:stCondLst>
+                                    <p:cond delay="0"/>
+                                  </p:stCondLst>
+                                  <p:childTnLst>
+                                    <p:set>
+                                      <p:cBhvr>
+                                        <p:cTn id="26" dur="1" fill="hold">
+                                          <p:stCondLst>
+                                            <p:cond delay="0"/>
+                                          </p:stCondLst>
+                                        </p:cTn>
+                                        <p:tgtEl>
+                                          <p:spTgt spid="2">
+                                            <p:txEl>
+                                              <p:pRg st="8" end="8"/>
+                                            </p:txEl>
+                                          </p:spTgt>
+                                        </p:tgtEl>
+                                        <p:attrNameLst>
+                                          <p:attrName>style.visibility</p:attrName>
+                                        </p:attrNameLst>
+                                      </p:cBhvr>
+                                      <p:to>
+                                        <p:strVal val="visible"/>
+                                      </p:to>
+                                    </p:set>
+                                  </p:childTnLst>
+                                </p:cTn>
+                              </p:par>
+                              <p:par>
+                                <p:cTn id="27" presetID="1" presetClass="entr" presetSubtype="0" fill="hold" grpId="0" nodeType="withEffect">
+                                  <p:stCondLst>
+                                    <p:cond delay="0"/>
+                                  </p:stCondLst>
+                                  <p:childTnLst>
+                                    <p:set>
+                                      <p:cBhvr>
+                                        <p:cTn id="28" dur="1" fill="hold">
+                                          <p:stCondLst>
+                                            <p:cond delay="0"/>
+                                          </p:stCondLst>
+                                        </p:cTn>
+                                        <p:tgtEl>
+                                          <p:spTgt spid="2">
+                                            <p:txEl>
+                                              <p:pRg st="9" end="9"/>
                                             </p:txEl>
                                           </p:spTgt>
                                         </p:tgtEl>
@@ -15995,8 +15982,8 @@
           <a:chExt cx="0" cy="0"/>
         </a:xfrm>
       </p:grpSpPr>
-      <mc:AlternateContent xmlns:mc="http://schemas.openxmlformats.org/markup-compatibility/2006" xmlns:a14="http://schemas.microsoft.com/office/drawing/2010/main">
-        <mc:Choice Requires="a14">
+      <mc:AlternateContent xmlns:mc="http://schemas.openxmlformats.org/markup-compatibility/2006">
+        <mc:Choice xmlns:a14="http://schemas.microsoft.com/office/drawing/2010/main" Requires="a14">
           <p:sp>
             <p:nvSpPr>
               <p:cNvPr id="2" name="Content Placeholder 1"/>
@@ -16026,11 +16013,22 @@
                 </a:pPr>
                 <a:r>
                   <a:rPr lang="en-US" altLang="nb-NO" sz="1800" dirty="0"/>
-                  <a:t>Changes in business involvement and personal outcomes during and after bankruptcy quarantines</a:t>
+                  <a:t>Compare treatment &amp; matched control group:</a:t>
                 </a:r>
               </a:p>
               <a:p>
-                <a:pPr marL="285750" indent="-285750">
+                <a:pPr marL="514350" lvl="1" indent="-285750">
+                  <a:buFont typeface="Arial" panose="020B0604020202020204" pitchFamily="34" charset="0"/>
+                  <a:buChar char="•"/>
+                  <a:defRPr/>
+                </a:pPr>
+                <a:r>
+                  <a:rPr lang="en-US" altLang="nb-NO" sz="1600" dirty="0"/>
+                  <a:t>Compare personal outcomes during and after bankruptcy quarantines</a:t>
+                </a:r>
+              </a:p>
+              <a:p>
+                <a:pPr marL="514350" lvl="1" indent="-285750">
                   <a:buFont typeface="Arial" panose="020B0604020202020204" pitchFamily="34" charset="0"/>
                   <a:buChar char="•"/>
                   <a:defRPr/>
@@ -16495,7 +16493,7 @@
             </p:txBody>
           </p:sp>
         </mc:Choice>
-        <mc:Fallback xmlns="">
+        <mc:Fallback>
           <p:sp>
             <p:nvSpPr>
               <p:cNvPr id="2" name="Content Placeholder 1"/>
@@ -16514,7 +16512,7 @@
               <a:blipFill>
                 <a:blip r:embed="rId3"/>
                 <a:stretch>
-                  <a:fillRect l="-1835" t="-2342" r="-2252"/>
+                  <a:fillRect l="-1835" t="-2342"/>
                 </a:stretch>
               </a:blipFill>
             </p:spPr>
